--- a/HMI_version3/Maquina_v3.pptx
+++ b/HMI_version3/Maquina_v3.pptx
@@ -243,7 +243,7 @@
           <a:p>
             <a:fld id="{99EACAE7-F7A9-4123-AE2B-62490CEBB20E}" type="datetimeFigureOut">
               <a:rPr lang="es-ES" smtClean="0"/>
-              <a:t>25/07/2020</a:t>
+              <a:t>27/08/2020</a:t>
             </a:fld>
             <a:endParaRPr lang="es-ES"/>
           </a:p>
@@ -413,7 +413,7 @@
           <a:p>
             <a:fld id="{99EACAE7-F7A9-4123-AE2B-62490CEBB20E}" type="datetimeFigureOut">
               <a:rPr lang="es-ES" smtClean="0"/>
-              <a:t>25/07/2020</a:t>
+              <a:t>27/08/2020</a:t>
             </a:fld>
             <a:endParaRPr lang="es-ES"/>
           </a:p>
@@ -593,7 +593,7 @@
           <a:p>
             <a:fld id="{99EACAE7-F7A9-4123-AE2B-62490CEBB20E}" type="datetimeFigureOut">
               <a:rPr lang="es-ES" smtClean="0"/>
-              <a:t>25/07/2020</a:t>
+              <a:t>27/08/2020</a:t>
             </a:fld>
             <a:endParaRPr lang="es-ES"/>
           </a:p>
@@ -763,7 +763,7 @@
           <a:p>
             <a:fld id="{99EACAE7-F7A9-4123-AE2B-62490CEBB20E}" type="datetimeFigureOut">
               <a:rPr lang="es-ES" smtClean="0"/>
-              <a:t>25/07/2020</a:t>
+              <a:t>27/08/2020</a:t>
             </a:fld>
             <a:endParaRPr lang="es-ES"/>
           </a:p>
@@ -1007,7 +1007,7 @@
           <a:p>
             <a:fld id="{99EACAE7-F7A9-4123-AE2B-62490CEBB20E}" type="datetimeFigureOut">
               <a:rPr lang="es-ES" smtClean="0"/>
-              <a:t>25/07/2020</a:t>
+              <a:t>27/08/2020</a:t>
             </a:fld>
             <a:endParaRPr lang="es-ES"/>
           </a:p>
@@ -1239,7 +1239,7 @@
           <a:p>
             <a:fld id="{99EACAE7-F7A9-4123-AE2B-62490CEBB20E}" type="datetimeFigureOut">
               <a:rPr lang="es-ES" smtClean="0"/>
-              <a:t>25/07/2020</a:t>
+              <a:t>27/08/2020</a:t>
             </a:fld>
             <a:endParaRPr lang="es-ES"/>
           </a:p>
@@ -1606,7 +1606,7 @@
           <a:p>
             <a:fld id="{99EACAE7-F7A9-4123-AE2B-62490CEBB20E}" type="datetimeFigureOut">
               <a:rPr lang="es-ES" smtClean="0"/>
-              <a:t>25/07/2020</a:t>
+              <a:t>27/08/2020</a:t>
             </a:fld>
             <a:endParaRPr lang="es-ES"/>
           </a:p>
@@ -1724,7 +1724,7 @@
           <a:p>
             <a:fld id="{99EACAE7-F7A9-4123-AE2B-62490CEBB20E}" type="datetimeFigureOut">
               <a:rPr lang="es-ES" smtClean="0"/>
-              <a:t>25/07/2020</a:t>
+              <a:t>27/08/2020</a:t>
             </a:fld>
             <a:endParaRPr lang="es-ES"/>
           </a:p>
@@ -1819,7 +1819,7 @@
           <a:p>
             <a:fld id="{99EACAE7-F7A9-4123-AE2B-62490CEBB20E}" type="datetimeFigureOut">
               <a:rPr lang="es-ES" smtClean="0"/>
-              <a:t>25/07/2020</a:t>
+              <a:t>27/08/2020</a:t>
             </a:fld>
             <a:endParaRPr lang="es-ES"/>
           </a:p>
@@ -2096,7 +2096,7 @@
           <a:p>
             <a:fld id="{99EACAE7-F7A9-4123-AE2B-62490CEBB20E}" type="datetimeFigureOut">
               <a:rPr lang="es-ES" smtClean="0"/>
-              <a:t>25/07/2020</a:t>
+              <a:t>27/08/2020</a:t>
             </a:fld>
             <a:endParaRPr lang="es-ES"/>
           </a:p>
@@ -2353,7 +2353,7 @@
           <a:p>
             <a:fld id="{99EACAE7-F7A9-4123-AE2B-62490CEBB20E}" type="datetimeFigureOut">
               <a:rPr lang="es-ES" smtClean="0"/>
-              <a:t>25/07/2020</a:t>
+              <a:t>27/08/2020</a:t>
             </a:fld>
             <a:endParaRPr lang="es-ES"/>
           </a:p>
@@ -2566,7 +2566,7 @@
           <a:p>
             <a:fld id="{99EACAE7-F7A9-4123-AE2B-62490CEBB20E}" type="datetimeFigureOut">
               <a:rPr lang="es-ES" smtClean="0"/>
-              <a:t>25/07/2020</a:t>
+              <a:t>27/08/2020</a:t>
             </a:fld>
             <a:endParaRPr lang="es-ES"/>
           </a:p>
@@ -3524,7 +3524,7 @@
         </p:nvSpPr>
         <p:spPr>
           <a:xfrm rot="3305353">
-            <a:off x="3965738" y="7328622"/>
+            <a:off x="3965739" y="7328622"/>
             <a:ext cx="991648" cy="225781"/>
           </a:xfrm>
           <a:prstGeom prst="rect">
@@ -3822,7 +3822,7 @@
         </p:nvGrpSpPr>
         <p:grpSpPr>
           <a:xfrm>
-            <a:off x="1968960" y="6897813"/>
+            <a:off x="1968961" y="6897813"/>
             <a:ext cx="1659126" cy="1388545"/>
             <a:chOff x="3187929" y="2991886"/>
             <a:chExt cx="3212989" cy="2688994"/>
@@ -4084,7 +4084,7 @@
         </p:nvSpPr>
         <p:spPr>
           <a:xfrm rot="16200000">
-            <a:off x="2302017" y="7849070"/>
+            <a:off x="2302018" y="7849070"/>
             <a:ext cx="671686" cy="1069698"/>
           </a:xfrm>
           <a:prstGeom prst="rect">
@@ -4161,7 +4161,7 @@
         </p:nvGrpSpPr>
         <p:grpSpPr>
           <a:xfrm>
-            <a:off x="2211970" y="7015307"/>
+            <a:off x="2211971" y="7015307"/>
             <a:ext cx="901149" cy="1031621"/>
             <a:chOff x="1459867" y="4543984"/>
             <a:chExt cx="993776" cy="1137658"/>
@@ -6253,7 +6253,7 @@
         </p:nvSpPr>
         <p:spPr>
           <a:xfrm rot="16200000">
-            <a:off x="2888459" y="6706538"/>
+            <a:off x="2888460" y="6706538"/>
             <a:ext cx="606096" cy="45719"/>
           </a:xfrm>
           <a:prstGeom prst="rect">
@@ -6326,7 +6326,7 @@
         </p:nvSpPr>
         <p:spPr>
           <a:xfrm rot="16200000">
-            <a:off x="2375849" y="6199229"/>
+            <a:off x="2375850" y="6199229"/>
             <a:ext cx="564997" cy="1019239"/>
           </a:xfrm>
           <a:prstGeom prst="rect">
@@ -6398,7 +6398,7 @@
         </p:nvSpPr>
         <p:spPr>
           <a:xfrm>
-            <a:off x="2394150" y="6449805"/>
+            <a:off x="2394151" y="6449805"/>
             <a:ext cx="521621" cy="521621"/>
           </a:xfrm>
           <a:prstGeom prst="ellipse">
@@ -6454,7 +6454,7 @@
         </p:nvSpPr>
         <p:spPr>
           <a:xfrm rot="10800000">
-            <a:off x="3168123" y="6992212"/>
+            <a:off x="3168124" y="6992212"/>
             <a:ext cx="188380" cy="45719"/>
           </a:xfrm>
           <a:prstGeom prst="rect">
@@ -6510,7 +6510,7 @@
         </p:nvSpPr>
         <p:spPr>
           <a:xfrm rot="10800000">
-            <a:off x="1963182" y="6992212"/>
+            <a:off x="1963183" y="6992212"/>
             <a:ext cx="188380" cy="45719"/>
           </a:xfrm>
           <a:prstGeom prst="rect">
@@ -6566,7 +6566,7 @@
         </p:nvSpPr>
         <p:spPr>
           <a:xfrm rot="10800000">
-            <a:off x="1964002" y="7037284"/>
+            <a:off x="1964003" y="7037284"/>
             <a:ext cx="188380" cy="1682590"/>
           </a:xfrm>
           <a:prstGeom prst="rect">
@@ -6639,7 +6639,7 @@
         </p:nvSpPr>
         <p:spPr>
           <a:xfrm rot="10800000">
-            <a:off x="3169300" y="7037172"/>
+            <a:off x="3169301" y="7037172"/>
             <a:ext cx="187203" cy="1682590"/>
           </a:xfrm>
           <a:prstGeom prst="rect">
@@ -6712,7 +6712,7 @@
         </p:nvSpPr>
         <p:spPr>
           <a:xfrm>
-            <a:off x="2474883" y="8099900"/>
+            <a:off x="2474884" y="8099900"/>
             <a:ext cx="409012" cy="228242"/>
           </a:xfrm>
           <a:prstGeom prst="roundRect">
@@ -6766,7 +6766,7 @@
         </p:nvSpPr>
         <p:spPr>
           <a:xfrm>
-            <a:off x="2474883" y="8351216"/>
+            <a:off x="2474884" y="8351216"/>
             <a:ext cx="409012" cy="328051"/>
           </a:xfrm>
           <a:prstGeom prst="roundRect">
@@ -6876,7 +6876,7 @@
         </p:nvGrpSpPr>
         <p:grpSpPr>
           <a:xfrm>
-            <a:off x="3614307" y="6802329"/>
+            <a:off x="3614308" y="6802329"/>
             <a:ext cx="74895" cy="453414"/>
             <a:chOff x="2473953" y="3860955"/>
             <a:chExt cx="74895" cy="453414"/>
@@ -7169,7 +7169,7 @@
         </p:nvSpPr>
         <p:spPr>
           <a:xfrm>
-            <a:off x="3674107" y="6875142"/>
+            <a:off x="3674108" y="6875142"/>
             <a:ext cx="1448264" cy="307789"/>
           </a:xfrm>
           <a:prstGeom prst="rect">
@@ -7336,7 +7336,7 @@
         </p:nvGrpSpPr>
         <p:grpSpPr>
           <a:xfrm>
-            <a:off x="3666760" y="6734511"/>
+            <a:off x="3666761" y="6734511"/>
             <a:ext cx="393203" cy="561118"/>
             <a:chOff x="4046581" y="2911405"/>
             <a:chExt cx="1357269" cy="1936883"/>
@@ -7869,7 +7869,7 @@
         </p:nvGrpSpPr>
         <p:grpSpPr>
           <a:xfrm>
-            <a:off x="4531503" y="6756613"/>
+            <a:off x="4531504" y="6756613"/>
             <a:ext cx="393203" cy="561118"/>
             <a:chOff x="4046581" y="2911405"/>
             <a:chExt cx="1357269" cy="1936883"/>
@@ -8402,7 +8402,7 @@
         </p:nvSpPr>
         <p:spPr>
           <a:xfrm>
-            <a:off x="4654302" y="7686937"/>
+            <a:off x="4654303" y="7686937"/>
             <a:ext cx="375388" cy="225781"/>
           </a:xfrm>
           <a:custGeom>
@@ -8778,7 +8778,7 @@
         </p:nvSpPr>
         <p:spPr>
           <a:xfrm flipV="1">
-            <a:off x="5013811" y="7926195"/>
+            <a:off x="5013812" y="7926195"/>
             <a:ext cx="45719" cy="45719"/>
           </a:xfrm>
           <a:prstGeom prst="flowChartConnector">
@@ -8832,7 +8832,7 @@
         </p:nvSpPr>
         <p:spPr>
           <a:xfrm flipV="1">
-            <a:off x="5037431" y="7926195"/>
+            <a:off x="5037432" y="7926195"/>
             <a:ext cx="45719" cy="45719"/>
           </a:xfrm>
           <a:prstGeom prst="flowChartConnector">
@@ -8886,7 +8886,7 @@
         </p:nvSpPr>
         <p:spPr>
           <a:xfrm flipV="1">
-            <a:off x="5011398" y="7626635"/>
+            <a:off x="5011399" y="7626635"/>
             <a:ext cx="45719" cy="45719"/>
           </a:xfrm>
           <a:prstGeom prst="flowChartConnector">
@@ -8940,7 +8940,7 @@
         </p:nvSpPr>
         <p:spPr>
           <a:xfrm flipV="1">
-            <a:off x="5040574" y="7626635"/>
+            <a:off x="5040575" y="7626635"/>
             <a:ext cx="45719" cy="45719"/>
           </a:xfrm>
           <a:prstGeom prst="flowChartConnector">
@@ -8994,7 +8994,7 @@
         </p:nvSpPr>
         <p:spPr>
           <a:xfrm>
-            <a:off x="5025589" y="7615084"/>
+            <a:off x="5025590" y="7615084"/>
             <a:ext cx="45719" cy="363498"/>
           </a:xfrm>
           <a:prstGeom prst="rect">
@@ -9050,7 +9050,7 @@
         </p:nvSpPr>
         <p:spPr>
           <a:xfrm>
-            <a:off x="5071308" y="7692893"/>
+            <a:off x="5071309" y="7692893"/>
             <a:ext cx="150509" cy="225781"/>
           </a:xfrm>
           <a:prstGeom prst="rect">
@@ -9132,7 +9132,7 @@
         </p:nvGrpSpPr>
         <p:grpSpPr>
           <a:xfrm>
-            <a:off x="5224121" y="7467635"/>
+            <a:off x="5224122" y="7467635"/>
             <a:ext cx="956726" cy="1247666"/>
             <a:chOff x="4002800" y="4640139"/>
             <a:chExt cx="956726" cy="1133787"/>
@@ -14417,7 +14417,7 @@
         </p:nvGrpSpPr>
         <p:grpSpPr>
           <a:xfrm>
-            <a:off x="5083454" y="6486963"/>
+            <a:off x="5083455" y="6486963"/>
             <a:ext cx="1268889" cy="1008766"/>
             <a:chOff x="3893656" y="3734093"/>
             <a:chExt cx="1188247" cy="927369"/>
